--- a/images.pptx
+++ b/images.pptx
@@ -4230,7 +4230,7 @@
         </p:nvCxnSpPr>
         <p:spPr>
           <a:xfrm flipV="1">
-            <a:off x="3611190" y="670259"/>
+            <a:off x="3611190" y="756025"/>
             <a:ext cx="6405219" cy="15836"/>
           </a:xfrm>
           <a:prstGeom prst="straightConnector1">
@@ -4269,7 +4269,7 @@
         </p:nvSpPr>
         <p:spPr>
           <a:xfrm>
-            <a:off x="3424136" y="165212"/>
+            <a:off x="3248859" y="302048"/>
             <a:ext cx="1179938" cy="369332"/>
           </a:xfrm>
           <a:prstGeom prst="rect">
@@ -4304,7 +4304,7 @@
         </p:nvSpPr>
         <p:spPr>
           <a:xfrm>
-            <a:off x="9047660" y="169466"/>
+            <a:off x="9202289" y="296808"/>
             <a:ext cx="1179938" cy="369332"/>
           </a:xfrm>
           <a:prstGeom prst="rect">
@@ -4425,11 +4425,15 @@
         </p:nvSpPr>
         <p:spPr>
           <a:xfrm rot="5400000">
-            <a:off x="6291466" y="1525256"/>
-            <a:ext cx="662427" cy="3156689"/>
+            <a:off x="6350163" y="1929381"/>
+            <a:ext cx="662427" cy="3056706"/>
           </a:xfrm>
           <a:prstGeom prst="curvedRightArrow">
-            <a:avLst/>
+            <a:avLst>
+              <a:gd name="adj1" fmla="val 25000"/>
+              <a:gd name="adj2" fmla="val 48546"/>
+              <a:gd name="adj3" fmla="val 29314"/>
+            </a:avLst>
           </a:prstGeom>
         </p:spPr>
         <p:style>
@@ -4475,7 +4479,7 @@
         </p:nvSpPr>
         <p:spPr>
           <a:xfrm>
-            <a:off x="5610424" y="2329536"/>
+            <a:off x="5595869" y="2661943"/>
             <a:ext cx="2123062" cy="400110"/>
           </a:xfrm>
           <a:prstGeom prst="rect">
@@ -4584,6 +4588,136 @@
           </a:p>
         </p:txBody>
       </p:sp>
+      <p:sp>
+        <p:nvSpPr>
+          <p:cNvPr id="11" name="ZoneTexte 10">
+            <a:extLst>
+              <a:ext uri="{FF2B5EF4-FFF2-40B4-BE49-F238E27FC236}">
+                <a16:creationId xmlns:a16="http://schemas.microsoft.com/office/drawing/2014/main" id="{85D2A2B1-958B-B9AA-071A-0A5CE3F7CF93}"/>
+              </a:ext>
+            </a:extLst>
+          </p:cNvPr>
+          <p:cNvSpPr txBox="1"/>
+          <p:nvPr/>
+        </p:nvSpPr>
+        <p:spPr>
+          <a:xfrm>
+            <a:off x="4817899" y="1597542"/>
+            <a:ext cx="3840577" cy="646331"/>
+          </a:xfrm>
+          <a:prstGeom prst="rect">
+            <a:avLst/>
+          </a:prstGeom>
+          <a:solidFill>
+            <a:schemeClr val="accent6">
+              <a:lumMod val="20000"/>
+              <a:lumOff val="80000"/>
+            </a:schemeClr>
+          </a:solidFill>
+        </p:spPr>
+        <p:txBody>
+          <a:bodyPr wrap="square" rtlCol="0">
+            <a:spAutoFit/>
+          </a:bodyPr>
+          <a:lstStyle/>
+          <a:p>
+            <a:pPr algn="ctr"/>
+            <a:r>
+              <a:rPr lang="fr-FR" dirty="0"/>
+              <a:t>Réservé aux utilisateurs</a:t>
+            </a:r>
+            <a:br>
+              <a:rPr lang="fr-FR" dirty="0"/>
+            </a:br>
+            <a:r>
+              <a:rPr lang="fr-FR" dirty="0"/>
+              <a:t>Surveillé par le support technique</a:t>
+            </a:r>
+          </a:p>
+        </p:txBody>
+      </p:sp>
+      <p:sp>
+        <p:nvSpPr>
+          <p:cNvPr id="14" name="ZoneTexte 13">
+            <a:extLst>
+              <a:ext uri="{FF2B5EF4-FFF2-40B4-BE49-F238E27FC236}">
+                <a16:creationId xmlns:a16="http://schemas.microsoft.com/office/drawing/2014/main" id="{9BAED9E2-96CA-C149-8A0D-23320862DCB3}"/>
+              </a:ext>
+            </a:extLst>
+          </p:cNvPr>
+          <p:cNvSpPr txBox="1"/>
+          <p:nvPr/>
+        </p:nvSpPr>
+        <p:spPr>
+          <a:xfrm>
+            <a:off x="4812895" y="2243970"/>
+            <a:ext cx="3840577" cy="369332"/>
+          </a:xfrm>
+          <a:prstGeom prst="rect">
+            <a:avLst/>
+          </a:prstGeom>
+          <a:solidFill>
+            <a:schemeClr val="accent6">
+              <a:lumMod val="20000"/>
+              <a:lumOff val="80000"/>
+            </a:schemeClr>
+          </a:solidFill>
+        </p:spPr>
+        <p:txBody>
+          <a:bodyPr wrap="square" rtlCol="0">
+            <a:spAutoFit/>
+          </a:bodyPr>
+          <a:lstStyle/>
+          <a:p>
+            <a:pPr algn="ctr"/>
+            <a:r>
+              <a:rPr lang="fr-FR" dirty="0"/>
+              <a:t>Réservé aux informaticiens</a:t>
+            </a:r>
+          </a:p>
+        </p:txBody>
+      </p:sp>
+      <p:cxnSp>
+        <p:nvCxnSpPr>
+          <p:cNvPr id="5" name="Connecteur droit 4">
+            <a:extLst>
+              <a:ext uri="{FF2B5EF4-FFF2-40B4-BE49-F238E27FC236}">
+                <a16:creationId xmlns:a16="http://schemas.microsoft.com/office/drawing/2014/main" id="{149BDFAC-2758-CC87-5000-1FBF1ACFFD1A}"/>
+              </a:ext>
+            </a:extLst>
+          </p:cNvPr>
+          <p:cNvCxnSpPr>
+            <a:cxnSpLocks/>
+          </p:cNvCxnSpPr>
+          <p:nvPr/>
+        </p:nvCxnSpPr>
+        <p:spPr>
+          <a:xfrm flipV="1">
+            <a:off x="-1" y="2219325"/>
+            <a:ext cx="12186996" cy="28575"/>
+          </a:xfrm>
+          <a:prstGeom prst="line">
+            <a:avLst/>
+          </a:prstGeom>
+          <a:ln w="57150">
+            <a:prstDash val="dash"/>
+          </a:ln>
+        </p:spPr>
+        <p:style>
+          <a:lnRef idx="2">
+            <a:schemeClr val="accent1"/>
+          </a:lnRef>
+          <a:fillRef idx="0">
+            <a:schemeClr val="accent1"/>
+          </a:fillRef>
+          <a:effectRef idx="1">
+            <a:schemeClr val="accent1"/>
+          </a:effectRef>
+          <a:fontRef idx="minor">
+            <a:schemeClr val="tx1"/>
+          </a:fontRef>
+        </p:style>
+      </p:cxnSp>
     </p:spTree>
     <p:extLst>
       <p:ext uri="{BB962C8B-B14F-4D97-AF65-F5344CB8AC3E}">
